--- a/Composite-demo/Mẫu Composite (Nhóm 07).pptx
+++ b/Composite-demo/Mẫu Composite (Nhóm 07).pptx
@@ -6,10 +6,10 @@
     <p:sldMasterId id="2147483986" r:id="rId2"/>
   </p:sldMasterIdLst>
   <p:notesMasterIdLst>
-    <p:notesMasterId r:id="rId18"/>
+    <p:notesMasterId r:id="rId19"/>
   </p:notesMasterIdLst>
   <p:handoutMasterIdLst>
-    <p:handoutMasterId r:id="rId19"/>
+    <p:handoutMasterId r:id="rId20"/>
   </p:handoutMasterIdLst>
   <p:sldIdLst>
     <p:sldId id="256" r:id="rId3"/>
@@ -25,8 +25,9 @@
     <p:sldId id="766" r:id="rId13"/>
     <p:sldId id="769" r:id="rId14"/>
     <p:sldId id="767" r:id="rId15"/>
-    <p:sldId id="768" r:id="rId16"/>
-    <p:sldId id="770" r:id="rId17"/>
+    <p:sldId id="771" r:id="rId16"/>
+    <p:sldId id="768" r:id="rId17"/>
+    <p:sldId id="770" r:id="rId18"/>
   </p:sldIdLst>
   <p:sldSz cx="9144000" cy="6858000" type="screen4x3"/>
   <p:notesSz cx="9872663" cy="6797675"/>
@@ -521,7 +522,7 @@
               <a:pPr>
                 <a:defRPr/>
               </a:pPr>
-              <a:t>25/03/2024</a:t>
+              <a:t>26/03/2024</a:t>
             </a:fld>
             <a:endParaRPr lang="vi-VN"/>
           </a:p>
@@ -7095,11 +7096,41 @@
           <a:p>
             <a:r>
               <a:rPr lang="vi-VN" dirty="0"/>
-              <a:t>???...???</a:t>
-            </a:r>
-          </a:p>
-        </p:txBody>
-      </p:sp>
+              <a:t>Tổ chức file </a:t>
+            </a:r>
+          </a:p>
+        </p:txBody>
+      </p:sp>
+      <p:pic>
+        <p:nvPicPr>
+          <p:cNvPr id="5" name="Picture 4">
+            <a:extLst>
+              <a:ext uri="{FF2B5EF4-FFF2-40B4-BE49-F238E27FC236}">
+                <a16:creationId xmlns:a16="http://schemas.microsoft.com/office/drawing/2014/main" id="{B2FDFB21-5737-CDFD-7BD5-E42C4AAA1DCB}"/>
+              </a:ext>
+            </a:extLst>
+          </p:cNvPr>
+          <p:cNvPicPr>
+            <a:picLocks noChangeAspect="1"/>
+          </p:cNvPicPr>
+          <p:nvPr/>
+        </p:nvPicPr>
+        <p:blipFill>
+          <a:blip r:embed="rId2"/>
+          <a:stretch>
+            <a:fillRect/>
+          </a:stretch>
+        </p:blipFill>
+        <p:spPr>
+          <a:xfrm>
+            <a:off x="1524000" y="1828800"/>
+            <a:ext cx="5877745" cy="3753374"/>
+          </a:xfrm>
+          <a:prstGeom prst="rect">
+            <a:avLst/>
+          </a:prstGeom>
+        </p:spPr>
+      </p:pic>
     </p:spTree>
     <p:extLst>
       <p:ext uri="{BB962C8B-B14F-4D97-AF65-F5344CB8AC3E}">
@@ -7135,6 +7166,114 @@
           <p:cNvPr id="2" name="Title 1">
             <a:extLst>
               <a:ext uri="{FF2B5EF4-FFF2-40B4-BE49-F238E27FC236}">
+                <a16:creationId xmlns:a16="http://schemas.microsoft.com/office/drawing/2014/main" id="{EBEAC709-0640-E2DA-83D3-D038080464D7}"/>
+              </a:ext>
+            </a:extLst>
+          </p:cNvPr>
+          <p:cNvSpPr>
+            <a:spLocks noGrp="1"/>
+          </p:cNvSpPr>
+          <p:nvPr>
+            <p:ph type="title"/>
+          </p:nvPr>
+        </p:nvSpPr>
+        <p:spPr/>
+        <p:txBody>
+          <a:bodyPr/>
+          <a:lstStyle/>
+          <a:p>
+            <a:r>
+              <a:rPr lang="vi-VN" dirty="0"/>
+              <a:t>Các ví dụ thực tế</a:t>
+            </a:r>
+            <a:endParaRPr lang="en-US" dirty="0"/>
+          </a:p>
+        </p:txBody>
+      </p:sp>
+      <p:sp>
+        <p:nvSpPr>
+          <p:cNvPr id="3" name="Content Placeholder 2">
+            <a:extLst>
+              <a:ext uri="{FF2B5EF4-FFF2-40B4-BE49-F238E27FC236}">
+                <a16:creationId xmlns:a16="http://schemas.microsoft.com/office/drawing/2014/main" id="{09837B7B-259A-BB45-1BC0-3BB269578A6C}"/>
+              </a:ext>
+            </a:extLst>
+          </p:cNvPr>
+          <p:cNvSpPr>
+            <a:spLocks noGrp="1"/>
+          </p:cNvSpPr>
+          <p:nvPr>
+            <p:ph idx="1"/>
+          </p:nvPr>
+        </p:nvSpPr>
+        <p:spPr/>
+        <p:txBody>
+          <a:bodyPr/>
+          <a:lstStyle/>
+          <a:p>
+            <a:pPr marL="0" indent="0">
+              <a:buNone/>
+            </a:pPr>
+            <a:r>
+              <a:rPr lang="vi-VN" sz="3000" dirty="0"/>
+              <a:t>Cấu trúc XML cũng có thể được biểu diễn bằng Composite Pattern. </a:t>
+            </a:r>
+          </a:p>
+          <a:p>
+            <a:r>
+              <a:rPr lang="vi-VN" sz="3000" dirty="0"/>
+              <a:t>Component: Lớp XmlNode là lớp cơ bản, đại diện cho một nút XML. </a:t>
+            </a:r>
+          </a:p>
+          <a:p>
+            <a:r>
+              <a:rPr lang="vi-VN" sz="3000" dirty="0"/>
+              <a:t>Leaf: Các lớp XmlText, XmlAttribute, v.v. là các lớp lá, đại diện cho các nút XML đơn giản không thể chứa các nút con. </a:t>
+            </a:r>
+          </a:p>
+          <a:p>
+            <a:r>
+              <a:rPr lang="vi-VN" sz="3000" dirty="0"/>
+              <a:t>Composite: Các lớp XmlElement, XmlDocument, v.v. là các lớp composite, đại diện cho các nút XML phức tạp có thể chứa các nút con.</a:t>
+            </a:r>
+          </a:p>
+        </p:txBody>
+      </p:sp>
+    </p:spTree>
+    <p:extLst>
+      <p:ext uri="{BB962C8B-B14F-4D97-AF65-F5344CB8AC3E}">
+        <p14:creationId xmlns:p14="http://schemas.microsoft.com/office/powerpoint/2010/main" val="2141110246"/>
+      </p:ext>
+    </p:extLst>
+  </p:cSld>
+  <p:clrMapOvr>
+    <a:masterClrMapping/>
+  </p:clrMapOvr>
+</p:sld>
+</file>
+
+<file path=ppt/slides/slide15.xml><?xml version="1.0" encoding="utf-8"?>
+<p:sld xmlns:a="http://schemas.openxmlformats.org/drawingml/2006/main" xmlns:r="http://schemas.openxmlformats.org/officeDocument/2006/relationships" xmlns:p="http://schemas.openxmlformats.org/presentationml/2006/main">
+  <p:cSld>
+    <p:spTree>
+      <p:nvGrpSpPr>
+        <p:cNvPr id="1" name=""/>
+        <p:cNvGrpSpPr/>
+        <p:nvPr/>
+      </p:nvGrpSpPr>
+      <p:grpSpPr>
+        <a:xfrm>
+          <a:off x="0" y="0"/>
+          <a:ext cx="0" cy="0"/>
+          <a:chOff x="0" y="0"/>
+          <a:chExt cx="0" cy="0"/>
+        </a:xfrm>
+      </p:grpSpPr>
+      <p:sp>
+        <p:nvSpPr>
+          <p:cNvPr id="2" name="Title 1">
+            <a:extLst>
+              <a:ext uri="{FF2B5EF4-FFF2-40B4-BE49-F238E27FC236}">
                 <a16:creationId xmlns:a16="http://schemas.microsoft.com/office/drawing/2014/main" id="{CB6FE243-4A46-9D23-C76F-0C14421F969C}"/>
               </a:ext>
             </a:extLst>
@@ -7240,7 +7379,7 @@
 </p:sld>
 </file>
 
-<file path=ppt/slides/slide15.xml><?xml version="1.0" encoding="utf-8"?>
+<file path=ppt/slides/slide16.xml><?xml version="1.0" encoding="utf-8"?>
 <p:sld xmlns:a="http://schemas.openxmlformats.org/drawingml/2006/main" xmlns:r="http://schemas.openxmlformats.org/officeDocument/2006/relationships" xmlns:p="http://schemas.openxmlformats.org/presentationml/2006/main">
   <p:cSld>
     <p:spTree>
